--- a/RTC Role Based Training for Developers.pptx
+++ b/RTC Role Based Training for Developers.pptx
@@ -2,96 +2,96 @@
 <file path=ppt/presentation.xml><?xml version="1.0" encoding="utf-8"?>
 <p:presentation xmlns:a="http://schemas.openxmlformats.org/drawingml/2006/main" xmlns:r="http://schemas.openxmlformats.org/officeDocument/2006/relationships" xmlns:p="http://schemas.openxmlformats.org/presentationml/2006/main" firstSlideNum="0" showSpecialPlsOnTitleSld="0" saveSubsetFonts="1" autoCompressPictures="0">
   <p:sldMasterIdLst>
-    <p:sldMasterId id="2147483648" r:id="rId5"/>
+    <p:sldMasterId id="2147483648" r:id="rId4"/>
   </p:sldMasterIdLst>
   <p:notesMasterIdLst>
-    <p:notesMasterId r:id="rId82"/>
+    <p:notesMasterId r:id="rId81"/>
   </p:notesMasterIdLst>
   <p:handoutMasterIdLst>
-    <p:handoutMasterId r:id="rId83"/>
+    <p:handoutMasterId r:id="rId82"/>
   </p:handoutMasterIdLst>
   <p:sldIdLst>
-    <p:sldId id="659" r:id="rId6"/>
-    <p:sldId id="661" r:id="rId7"/>
-    <p:sldId id="695" r:id="rId8"/>
-    <p:sldId id="770" r:id="rId9"/>
-    <p:sldId id="696" r:id="rId10"/>
-    <p:sldId id="757" r:id="rId11"/>
-    <p:sldId id="698" r:id="rId12"/>
-    <p:sldId id="700" r:id="rId13"/>
-    <p:sldId id="699" r:id="rId14"/>
-    <p:sldId id="701" r:id="rId15"/>
-    <p:sldId id="702" r:id="rId16"/>
-    <p:sldId id="703" r:id="rId17"/>
-    <p:sldId id="710" r:id="rId18"/>
-    <p:sldId id="709" r:id="rId19"/>
-    <p:sldId id="756" r:id="rId20"/>
-    <p:sldId id="707" r:id="rId21"/>
-    <p:sldId id="706" r:id="rId22"/>
-    <p:sldId id="705" r:id="rId23"/>
-    <p:sldId id="711" r:id="rId24"/>
-    <p:sldId id="715" r:id="rId25"/>
-    <p:sldId id="716" r:id="rId26"/>
-    <p:sldId id="717" r:id="rId27"/>
-    <p:sldId id="718" r:id="rId28"/>
-    <p:sldId id="719" r:id="rId29"/>
-    <p:sldId id="720" r:id="rId30"/>
-    <p:sldId id="721" r:id="rId31"/>
-    <p:sldId id="722" r:id="rId32"/>
-    <p:sldId id="723" r:id="rId33"/>
-    <p:sldId id="724" r:id="rId34"/>
-    <p:sldId id="725" r:id="rId35"/>
-    <p:sldId id="726" r:id="rId36"/>
-    <p:sldId id="727" r:id="rId37"/>
-    <p:sldId id="728" r:id="rId38"/>
-    <p:sldId id="729" r:id="rId39"/>
-    <p:sldId id="730" r:id="rId40"/>
-    <p:sldId id="731" r:id="rId41"/>
-    <p:sldId id="732" r:id="rId42"/>
-    <p:sldId id="714" r:id="rId43"/>
-    <p:sldId id="713" r:id="rId44"/>
-    <p:sldId id="712" r:id="rId45"/>
-    <p:sldId id="733" r:id="rId46"/>
-    <p:sldId id="743" r:id="rId47"/>
-    <p:sldId id="742" r:id="rId48"/>
-    <p:sldId id="741" r:id="rId49"/>
-    <p:sldId id="740" r:id="rId50"/>
-    <p:sldId id="739" r:id="rId51"/>
-    <p:sldId id="738" r:id="rId52"/>
-    <p:sldId id="737" r:id="rId53"/>
-    <p:sldId id="736" r:id="rId54"/>
-    <p:sldId id="735" r:id="rId55"/>
-    <p:sldId id="745" r:id="rId56"/>
-    <p:sldId id="746" r:id="rId57"/>
-    <p:sldId id="744" r:id="rId58"/>
-    <p:sldId id="734" r:id="rId59"/>
-    <p:sldId id="747" r:id="rId60"/>
-    <p:sldId id="754" r:id="rId61"/>
-    <p:sldId id="755" r:id="rId62"/>
-    <p:sldId id="753" r:id="rId63"/>
-    <p:sldId id="752" r:id="rId64"/>
-    <p:sldId id="751" r:id="rId65"/>
-    <p:sldId id="750" r:id="rId66"/>
-    <p:sldId id="749" r:id="rId67"/>
-    <p:sldId id="748" r:id="rId68"/>
-    <p:sldId id="758" r:id="rId69"/>
-    <p:sldId id="759" r:id="rId70"/>
-    <p:sldId id="762" r:id="rId71"/>
-    <p:sldId id="761" r:id="rId72"/>
-    <p:sldId id="763" r:id="rId73"/>
-    <p:sldId id="760" r:id="rId74"/>
-    <p:sldId id="765" r:id="rId75"/>
-    <p:sldId id="764" r:id="rId76"/>
-    <p:sldId id="766" r:id="rId77"/>
-    <p:sldId id="767" r:id="rId78"/>
-    <p:sldId id="768" r:id="rId79"/>
-    <p:sldId id="769" r:id="rId80"/>
-    <p:sldId id="680" r:id="rId81"/>
+    <p:sldId id="659" r:id="rId5"/>
+    <p:sldId id="661" r:id="rId6"/>
+    <p:sldId id="695" r:id="rId7"/>
+    <p:sldId id="770" r:id="rId8"/>
+    <p:sldId id="696" r:id="rId9"/>
+    <p:sldId id="757" r:id="rId10"/>
+    <p:sldId id="698" r:id="rId11"/>
+    <p:sldId id="700" r:id="rId12"/>
+    <p:sldId id="699" r:id="rId13"/>
+    <p:sldId id="701" r:id="rId14"/>
+    <p:sldId id="702" r:id="rId15"/>
+    <p:sldId id="703" r:id="rId16"/>
+    <p:sldId id="710" r:id="rId17"/>
+    <p:sldId id="709" r:id="rId18"/>
+    <p:sldId id="756" r:id="rId19"/>
+    <p:sldId id="707" r:id="rId20"/>
+    <p:sldId id="706" r:id="rId21"/>
+    <p:sldId id="705" r:id="rId22"/>
+    <p:sldId id="711" r:id="rId23"/>
+    <p:sldId id="715" r:id="rId24"/>
+    <p:sldId id="716" r:id="rId25"/>
+    <p:sldId id="717" r:id="rId26"/>
+    <p:sldId id="718" r:id="rId27"/>
+    <p:sldId id="719" r:id="rId28"/>
+    <p:sldId id="720" r:id="rId29"/>
+    <p:sldId id="721" r:id="rId30"/>
+    <p:sldId id="722" r:id="rId31"/>
+    <p:sldId id="723" r:id="rId32"/>
+    <p:sldId id="724" r:id="rId33"/>
+    <p:sldId id="725" r:id="rId34"/>
+    <p:sldId id="726" r:id="rId35"/>
+    <p:sldId id="727" r:id="rId36"/>
+    <p:sldId id="728" r:id="rId37"/>
+    <p:sldId id="729" r:id="rId38"/>
+    <p:sldId id="730" r:id="rId39"/>
+    <p:sldId id="731" r:id="rId40"/>
+    <p:sldId id="732" r:id="rId41"/>
+    <p:sldId id="714" r:id="rId42"/>
+    <p:sldId id="713" r:id="rId43"/>
+    <p:sldId id="712" r:id="rId44"/>
+    <p:sldId id="733" r:id="rId45"/>
+    <p:sldId id="743" r:id="rId46"/>
+    <p:sldId id="742" r:id="rId47"/>
+    <p:sldId id="741" r:id="rId48"/>
+    <p:sldId id="740" r:id="rId49"/>
+    <p:sldId id="739" r:id="rId50"/>
+    <p:sldId id="738" r:id="rId51"/>
+    <p:sldId id="737" r:id="rId52"/>
+    <p:sldId id="736" r:id="rId53"/>
+    <p:sldId id="735" r:id="rId54"/>
+    <p:sldId id="745" r:id="rId55"/>
+    <p:sldId id="746" r:id="rId56"/>
+    <p:sldId id="744" r:id="rId57"/>
+    <p:sldId id="734" r:id="rId58"/>
+    <p:sldId id="747" r:id="rId59"/>
+    <p:sldId id="754" r:id="rId60"/>
+    <p:sldId id="755" r:id="rId61"/>
+    <p:sldId id="753" r:id="rId62"/>
+    <p:sldId id="752" r:id="rId63"/>
+    <p:sldId id="751" r:id="rId64"/>
+    <p:sldId id="750" r:id="rId65"/>
+    <p:sldId id="749" r:id="rId66"/>
+    <p:sldId id="748" r:id="rId67"/>
+    <p:sldId id="758" r:id="rId68"/>
+    <p:sldId id="759" r:id="rId69"/>
+    <p:sldId id="762" r:id="rId70"/>
+    <p:sldId id="761" r:id="rId71"/>
+    <p:sldId id="763" r:id="rId72"/>
+    <p:sldId id="760" r:id="rId73"/>
+    <p:sldId id="765" r:id="rId74"/>
+    <p:sldId id="764" r:id="rId75"/>
+    <p:sldId id="766" r:id="rId76"/>
+    <p:sldId id="767" r:id="rId77"/>
+    <p:sldId id="768" r:id="rId78"/>
+    <p:sldId id="769" r:id="rId79"/>
+    <p:sldId id="680" r:id="rId80"/>
   </p:sldIdLst>
   <p:sldSz cx="9144000" cy="6858000" type="screen4x3"/>
   <p:notesSz cx="6858000" cy="9294813"/>
   <p:custDataLst>
-    <p:tags r:id="rId84"/>
+    <p:tags r:id="rId83"/>
   </p:custDataLst>
   <p:defaultTextStyle>
     <a:defPPr>
@@ -305,7 +305,7 @@
               </a14:hiddenEffects>
             </a:ext>
             <a:ext uri="{FAA26D3D-D897-4be2-8F04-BA451C77F1D7}">
-              <ma14:placeholderFlag xmlns="" xmlns:ma14="http://schemas.microsoft.com/office/mac/drawingml/2011/main" val="1"/>
+              <ma14:placeholderFlag xmlns:ma14="http://schemas.microsoft.com/office/mac/drawingml/2011/main" xmlns="" val="1"/>
             </a:ext>
           </a:extLst>
         </p:spPr>
@@ -385,7 +385,7 @@
               </a14:hiddenEffects>
             </a:ext>
             <a:ext uri="{FAA26D3D-D897-4be2-8F04-BA451C77F1D7}">
-              <ma14:placeholderFlag xmlns="" xmlns:ma14="http://schemas.microsoft.com/office/mac/drawingml/2011/main" val="1"/>
+              <ma14:placeholderFlag xmlns:ma14="http://schemas.microsoft.com/office/mac/drawingml/2011/main" xmlns="" val="1"/>
             </a:ext>
           </a:extLst>
         </p:spPr>
@@ -465,7 +465,7 @@
               </a14:hiddenEffects>
             </a:ext>
             <a:ext uri="{FAA26D3D-D897-4be2-8F04-BA451C77F1D7}">
-              <ma14:placeholderFlag xmlns="" xmlns:ma14="http://schemas.microsoft.com/office/mac/drawingml/2011/main" val="1"/>
+              <ma14:placeholderFlag xmlns:ma14="http://schemas.microsoft.com/office/mac/drawingml/2011/main" xmlns="" val="1"/>
             </a:ext>
           </a:extLst>
         </p:spPr>
@@ -545,7 +545,7 @@
               </a14:hiddenEffects>
             </a:ext>
             <a:ext uri="{FAA26D3D-D897-4be2-8F04-BA451C77F1D7}">
-              <ma14:placeholderFlag xmlns="" xmlns:ma14="http://schemas.microsoft.com/office/mac/drawingml/2011/main" val="1"/>
+              <ma14:placeholderFlag xmlns:ma14="http://schemas.microsoft.com/office/mac/drawingml/2011/main" xmlns="" val="1"/>
             </a:ext>
           </a:extLst>
         </p:spPr>
@@ -659,7 +659,7 @@
               </a14:hiddenEffects>
             </a:ext>
             <a:ext uri="{FAA26D3D-D897-4be2-8F04-BA451C77F1D7}">
-              <ma14:placeholderFlag xmlns="" xmlns:ma14="http://schemas.microsoft.com/office/mac/drawingml/2011/main" val="1"/>
+              <ma14:placeholderFlag xmlns:ma14="http://schemas.microsoft.com/office/mac/drawingml/2011/main" xmlns="" val="1"/>
             </a:ext>
           </a:extLst>
         </p:spPr>
@@ -739,7 +739,7 @@
               </a14:hiddenEffects>
             </a:ext>
             <a:ext uri="{FAA26D3D-D897-4be2-8F04-BA451C77F1D7}">
-              <ma14:placeholderFlag xmlns="" xmlns:ma14="http://schemas.microsoft.com/office/mac/drawingml/2011/main" val="1"/>
+              <ma14:placeholderFlag xmlns:ma14="http://schemas.microsoft.com/office/mac/drawingml/2011/main" xmlns="" val="1"/>
             </a:ext>
           </a:extLst>
         </p:spPr>
@@ -865,7 +865,7 @@
               </a14:hiddenEffects>
             </a:ext>
             <a:ext uri="{FAA26D3D-D897-4be2-8F04-BA451C77F1D7}">
-              <ma14:placeholderFlag xmlns="" xmlns:ma14="http://schemas.microsoft.com/office/mac/drawingml/2011/main" val="1"/>
+              <ma14:placeholderFlag xmlns:ma14="http://schemas.microsoft.com/office/mac/drawingml/2011/main" xmlns="" val="1"/>
             </a:ext>
           </a:extLst>
         </p:spPr>
@@ -966,7 +966,7 @@
               </a14:hiddenEffects>
             </a:ext>
             <a:ext uri="{FAA26D3D-D897-4be2-8F04-BA451C77F1D7}">
-              <ma14:placeholderFlag xmlns="" xmlns:ma14="http://schemas.microsoft.com/office/mac/drawingml/2011/main" val="1"/>
+              <ma14:placeholderFlag xmlns:ma14="http://schemas.microsoft.com/office/mac/drawingml/2011/main" xmlns="" val="1"/>
             </a:ext>
           </a:extLst>
         </p:spPr>
@@ -1046,7 +1046,7 @@
               </a14:hiddenEffects>
             </a:ext>
             <a:ext uri="{FAA26D3D-D897-4be2-8F04-BA451C77F1D7}">
-              <ma14:placeholderFlag xmlns="" xmlns:ma14="http://schemas.microsoft.com/office/mac/drawingml/2011/main" val="1"/>
+              <ma14:placeholderFlag xmlns:ma14="http://schemas.microsoft.com/office/mac/drawingml/2011/main" xmlns="" val="1"/>
             </a:ext>
           </a:extLst>
         </p:spPr>
@@ -4680,7 +4680,7 @@
               </a14:hiddenEffects>
             </a:ext>
             <a:ext uri="{FAA26D3D-D897-4be2-8F04-BA451C77F1D7}">
-              <ma14:placeholderFlag xmlns="" xmlns:ma14="http://schemas.microsoft.com/office/mac/drawingml/2011/main" val="1"/>
+              <ma14:placeholderFlag xmlns:ma14="http://schemas.microsoft.com/office/mac/drawingml/2011/main" xmlns="" val="1"/>
             </a:ext>
           </a:extLst>
         </p:spPr>
@@ -4753,7 +4753,7 @@
               </a14:hiddenEffects>
             </a:ext>
             <a:ext uri="{FAA26D3D-D897-4be2-8F04-BA451C77F1D7}">
-              <ma14:placeholderFlag xmlns="" xmlns:ma14="http://schemas.microsoft.com/office/mac/drawingml/2011/main" val="1"/>
+              <ma14:placeholderFlag xmlns:ma14="http://schemas.microsoft.com/office/mac/drawingml/2011/main" xmlns="" val="1"/>
             </a:ext>
           </a:extLst>
         </p:spPr>
@@ -21145,116 +21145,18 @@
 </file>
 
 <file path=customXml/item1.xml><?xml version="1.0" encoding="utf-8"?>
-<?mso-contentType ?>
-<FormTemplates xmlns="http://schemas.microsoft.com/sharepoint/v3/contenttype/forms">
-  <Display>DocumentLibraryForm</Display>
-  <Edit>DocumentLibraryForm</Edit>
-  <New>DocumentLibraryForm</New>
-</FormTemplates>
-</file>
-
-<file path=customXml/item2.xml><?xml version="1.0" encoding="utf-8"?>
-<?mso-contentType ?>
-<spe:Receivers xmlns:spe="http://schemas.microsoft.com/sharepoint/events">
-  <Receiver>
-    <Name>Document ID Generator</Name>
-    <Synchronization>Synchronous</Synchronization>
-    <Type>10001</Type>
-    <SequenceNumber>1000</SequenceNumber>
-    <Assembly>Microsoft.Office.DocumentManagement, Version=14.0.0.0, Culture=neutral, PublicKeyToken=71e9bce111e9429c</Assembly>
-    <Class>Microsoft.Office.DocumentManagement.Internal.DocIdHandler</Class>
-    <Data/>
-    <Filter/>
-  </Receiver>
-  <Receiver>
-    <Name>Document ID Generator</Name>
-    <Synchronization>Synchronous</Synchronization>
-    <Type>10002</Type>
-    <SequenceNumber>1001</SequenceNumber>
-    <Assembly>Microsoft.Office.DocumentManagement, Version=14.0.0.0, Culture=neutral, PublicKeyToken=71e9bce111e9429c</Assembly>
-    <Class>Microsoft.Office.DocumentManagement.Internal.DocIdHandler</Class>
-    <Data/>
-    <Filter/>
-  </Receiver>
-  <Receiver>
-    <Name>Document ID Generator</Name>
-    <Synchronization>Synchronous</Synchronization>
-    <Type>10004</Type>
-    <SequenceNumber>1002</SequenceNumber>
-    <Assembly>Microsoft.Office.DocumentManagement, Version=14.0.0.0, Culture=neutral, PublicKeyToken=71e9bce111e9429c</Assembly>
-    <Class>Microsoft.Office.DocumentManagement.Internal.DocIdHandler</Class>
-    <Data/>
-    <Filter/>
-  </Receiver>
-  <Receiver>
-    <Name>Document ID Generator</Name>
-    <Synchronization>Synchronous</Synchronization>
-    <Type>10006</Type>
-    <SequenceNumber>1003</SequenceNumber>
-    <Assembly>Microsoft.Office.DocumentManagement, Version=14.0.0.0, Culture=neutral, PublicKeyToken=71e9bce111e9429c</Assembly>
-    <Class>Microsoft.Office.DocumentManagement.Internal.DocIdHandler</Class>
-    <Data/>
-    <Filter/>
-  </Receiver>
-</spe:Receivers>
-</file>
-
-<file path=customXml/item3.xml><?xml version="1.0" encoding="utf-8"?>
-<p:properties xmlns:p="http://schemas.microsoft.com/office/2006/metadata/properties" xmlns:xsi="http://www.w3.org/2001/XMLSchema-instance">
-  <documentManagement>
-    <_dlc_DocId xmlns="81142d49-c53b-4722-939a-4f4a3970dd5a">5VV4N5WWKAS4-7537-3</_dlc_DocId>
-    <_dlc_DocIdUrl xmlns="81142d49-c53b-4722-939a-4f4a3970dd5a">
-      <Url>https://catecollaboration.citigroup.net/gfts/ProjectSites/CTSAMLInvestigations/_layouts/DocIdRedir.aspx?ID=5VV4N5WWKAS4-7537-3</Url>
-      <Description>5VV4N5WWKAS4-7537-3</Description>
-    </_dlc_DocIdUrl>
-  </documentManagement>
-</p:properties>
-</file>
-
-<file path=customXml/item4.xml><?xml version="1.0" encoding="utf-8"?>
-<ct:contentTypeSchema xmlns:ct="http://schemas.microsoft.com/office/2006/metadata/contentType" xmlns:ma="http://schemas.microsoft.com/office/2006/metadata/properties/metaAttributes" ct:_="" ma:_="" ma:contentTypeName="Document" ma:contentTypeID="0x010100D47D2C0389CB9441B854D98AF9AB0320" ma:contentTypeVersion="0" ma:contentTypeDescription="Create a new document." ma:contentTypeScope="" ma:versionID="cd30b13156025a21f0d0b3083b22e05a">
-  <xsd:schema xmlns:xsd="http://www.w3.org/2001/XMLSchema" xmlns:xs="http://www.w3.org/2001/XMLSchema" xmlns:p="http://schemas.microsoft.com/office/2006/metadata/properties" xmlns:ns2="81142d49-c53b-4722-939a-4f4a3970dd5a" targetNamespace="http://schemas.microsoft.com/office/2006/metadata/properties" ma:root="true" ma:fieldsID="7f49678b14cb93cfb56cfa7b3f054b0f" ns2:_="">
-    <xsd:import namespace="81142d49-c53b-4722-939a-4f4a3970dd5a"/>
+<ct:contentTypeSchema xmlns:ct="http://schemas.microsoft.com/office/2006/metadata/contentType" xmlns:ma="http://schemas.microsoft.com/office/2006/metadata/properties/metaAttributes" ct:_="" ma:_="" ma:contentTypeName="Document" ma:contentTypeID="0x010100B32740781DB2EF4BB2D472BAD412EBD4" ma:contentTypeVersion="0" ma:contentTypeDescription="Create a new document." ma:contentTypeScope="" ma:versionID="1df91e03920eb23bf8fff70d9cc3b68a">
+  <xsd:schema xmlns:xsd="http://www.w3.org/2001/XMLSchema" xmlns:xs="http://www.w3.org/2001/XMLSchema" xmlns:p="http://schemas.microsoft.com/office/2006/metadata/properties" targetNamespace="http://schemas.microsoft.com/office/2006/metadata/properties" ma:root="true" ma:fieldsID="c64490b4aec6201516c3a874156f37b2">
     <xsd:element name="properties">
       <xsd:complexType>
         <xsd:sequence>
           <xsd:element name="documentManagement">
             <xsd:complexType>
-              <xsd:all>
-                <xsd:element ref="ns2:_dlc_DocId" minOccurs="0"/>
-                <xsd:element ref="ns2:_dlc_DocIdUrl" minOccurs="0"/>
-                <xsd:element ref="ns2:_dlc_DocIdPersistId" minOccurs="0"/>
-              </xsd:all>
+              <xsd:all/>
             </xsd:complexType>
           </xsd:element>
         </xsd:sequence>
       </xsd:complexType>
-    </xsd:element>
-  </xsd:schema>
-  <xsd:schema xmlns:xsd="http://www.w3.org/2001/XMLSchema" xmlns:xs="http://www.w3.org/2001/XMLSchema" xmlns:dms="http://schemas.microsoft.com/office/2006/documentManagement/types" xmlns:pc="http://schemas.microsoft.com/office/infopath/2007/PartnerControls" targetNamespace="81142d49-c53b-4722-939a-4f4a3970dd5a" elementFormDefault="qualified">
-    <xsd:import namespace="http://schemas.microsoft.com/office/2006/documentManagement/types"/>
-    <xsd:import namespace="http://schemas.microsoft.com/office/infopath/2007/PartnerControls"/>
-    <xsd:element name="_dlc_DocId" ma:index="8" nillable="true" ma:displayName="Document ID Value" ma:description="The value of the document ID assigned to this item." ma:internalName="_dlc_DocId" ma:readOnly="true">
-      <xsd:simpleType>
-        <xsd:restriction base="dms:Text"/>
-      </xsd:simpleType>
-    </xsd:element>
-    <xsd:element name="_dlc_DocIdUrl" ma:index="9" nillable="true" ma:displayName="Document ID" ma:description="Permanent link to this document." ma:hidden="true" ma:internalName="_dlc_DocIdUrl" ma:readOnly="true">
-      <xsd:complexType>
-        <xsd:complexContent>
-          <xsd:extension base="dms:URL">
-            <xsd:sequence>
-              <xsd:element name="Url" type="dms:ValidUrl" minOccurs="0" nillable="true"/>
-              <xsd:element name="Description" type="xsd:string" nillable="true"/>
-            </xsd:sequence>
-          </xsd:extension>
-        </xsd:complexContent>
-      </xsd:complexType>
-    </xsd:element>
-    <xsd:element name="_dlc_DocIdPersistId" ma:index="10" nillable="true" ma:displayName="Persist ID" ma:description="Keep ID on add." ma:hidden="true" ma:internalName="_dlc_DocIdPersistId" ma:readOnly="true">
-      <xsd:simpleType>
-        <xsd:restriction base="dms:Boolean"/>
-      </xsd:simpleType>
     </xsd:element>
   </xsd:schema>
   <xsd:schema xmlns="http://schemas.openxmlformats.org/package/2006/metadata/core-properties" xmlns:xsd="http://www.w3.org/2001/XMLSchema" xmlns:xsi="http://www.w3.org/2001/XMLSchema-instance" xmlns:dc="http://purl.org/dc/elements/1.1/" xmlns:dcterms="http://purl.org/dc/terms/" xmlns:odoc="http://schemas.microsoft.com/internal/obd" targetNamespace="http://schemas.openxmlformats.org/package/2006/metadata/core-properties" elementFormDefault="qualified" attributeFormDefault="unqualified" blockDefault="#all">
@@ -21356,52 +21258,56 @@
 </ct:contentTypeSchema>
 </file>
 
+<file path=customXml/item2.xml><?xml version="1.0" encoding="utf-8"?>
+<p:properties xmlns:p="http://schemas.microsoft.com/office/2006/metadata/properties" xmlns:xsi="http://www.w3.org/2001/XMLSchema-instance">
+  <documentManagement/>
+</p:properties>
+</file>
+
+<file path=customXml/item3.xml><?xml version="1.0" encoding="utf-8"?>
+<?mso-contentType ?>
+<FormTemplates xmlns="http://schemas.microsoft.com/sharepoint/v3/contenttype/forms">
+  <Display>DocumentLibraryForm</Display>
+  <Edit>DocumentLibraryForm</Edit>
+  <New>DocumentLibraryForm</New>
+</FormTemplates>
+</file>
+
 <file path=customXml/itemProps1.xml><?xml version="1.0" encoding="utf-8"?>
+<ds:datastoreItem xmlns:ds="http://schemas.openxmlformats.org/officeDocument/2006/customXml" ds:itemID="{9FCDA12E-0D57-40C9-B38F-DF8055BE90E8}">
+  <ds:schemaRefs>
+    <ds:schemaRef ds:uri="http://schemas.microsoft.com/office/2006/metadata/contentType"/>
+    <ds:schemaRef ds:uri="http://schemas.microsoft.com/office/2006/metadata/properties/metaAttributes"/>
+    <ds:schemaRef ds:uri="http://www.w3.org/2001/XMLSchema"/>
+    <ds:schemaRef ds:uri="http://schemas.microsoft.com/office/2006/metadata/properties"/>
+    <ds:schemaRef ds:uri="http://schemas.openxmlformats.org/package/2006/metadata/core-properties"/>
+    <ds:schemaRef ds:uri="http://purl.org/dc/elements/1.1/"/>
+    <ds:schemaRef ds:uri="http://purl.org/dc/terms/"/>
+    <ds:schemaRef ds:uri="http://schemas.microsoft.com/internal/obd"/>
+    <ds:schemaRef ds:uri="http://schemas.microsoft.com/office/infopath/2007/PartnerControls"/>
+  </ds:schemaRefs>
+</ds:datastoreItem>
+</file>
+
+<file path=customXml/itemProps2.xml><?xml version="1.0" encoding="utf-8"?>
+<ds:datastoreItem xmlns:ds="http://schemas.openxmlformats.org/officeDocument/2006/customXml" ds:itemID="{E37F2DC3-E595-4E6A-8189-3E67961A6B3B}">
+  <ds:schemaRefs>
+    <ds:schemaRef ds:uri="http://www.w3.org/XML/1998/namespace"/>
+    <ds:schemaRef ds:uri="http://schemas.microsoft.com/office/2006/documentManagement/types"/>
+    <ds:schemaRef ds:uri="http://purl.org/dc/terms/"/>
+    <ds:schemaRef ds:uri="http://purl.org/dc/dcmitype/"/>
+    <ds:schemaRef ds:uri="http://purl.org/dc/elements/1.1/"/>
+    <ds:schemaRef ds:uri="http://schemas.microsoft.com/office/infopath/2007/PartnerControls"/>
+    <ds:schemaRef ds:uri="http://schemas.openxmlformats.org/package/2006/metadata/core-properties"/>
+    <ds:schemaRef ds:uri="http://schemas.microsoft.com/office/2006/metadata/properties"/>
+  </ds:schemaRefs>
+</ds:datastoreItem>
+</file>
+
+<file path=customXml/itemProps3.xml><?xml version="1.0" encoding="utf-8"?>
 <ds:datastoreItem xmlns:ds="http://schemas.openxmlformats.org/officeDocument/2006/customXml" ds:itemID="{E80A13EA-4C4B-4F34-82C0-04C97FC3101B}">
   <ds:schemaRefs>
     <ds:schemaRef ds:uri="http://schemas.microsoft.com/sharepoint/v3/contenttype/forms"/>
   </ds:schemaRefs>
 </ds:datastoreItem>
-</file>
-
-<file path=customXml/itemProps2.xml><?xml version="1.0" encoding="utf-8"?>
-<ds:datastoreItem xmlns:ds="http://schemas.openxmlformats.org/officeDocument/2006/customXml" ds:itemID="{D971537E-D4AB-4600-9F55-2D55E79C71AF}">
-  <ds:schemaRefs>
-    <ds:schemaRef ds:uri="http://schemas.microsoft.com/sharepoint/events"/>
-  </ds:schemaRefs>
-</ds:datastoreItem>
-</file>
-
-<file path=customXml/itemProps3.xml><?xml version="1.0" encoding="utf-8"?>
-<ds:datastoreItem xmlns:ds="http://schemas.openxmlformats.org/officeDocument/2006/customXml" ds:itemID="{E37F2DC3-E595-4E6A-8189-3E67961A6B3B}">
-  <ds:schemaRefs>
-    <ds:schemaRef ds:uri="http://schemas.microsoft.com/office/2006/metadata/properties"/>
-    <ds:schemaRef ds:uri="http://purl.org/dc/elements/1.1/"/>
-    <ds:schemaRef ds:uri="http://purl.org/dc/terms/"/>
-    <ds:schemaRef ds:uri="81142d49-c53b-4722-939a-4f4a3970dd5a"/>
-    <ds:schemaRef ds:uri="http://schemas.microsoft.com/office/2006/documentManagement/types"/>
-    <ds:schemaRef ds:uri="http://www.w3.org/XML/1998/namespace"/>
-    <ds:schemaRef ds:uri="http://purl.org/dc/dcmitype/"/>
-    <ds:schemaRef ds:uri="http://schemas.microsoft.com/office/infopath/2007/PartnerControls"/>
-    <ds:schemaRef ds:uri="http://schemas.openxmlformats.org/package/2006/metadata/core-properties"/>
-  </ds:schemaRefs>
-</ds:datastoreItem>
-</file>
-
-<file path=customXml/itemProps4.xml><?xml version="1.0" encoding="utf-8"?>
-<ds:datastoreItem xmlns:ds="http://schemas.openxmlformats.org/officeDocument/2006/customXml" ds:itemID="{985A1512-D044-4BBD-8461-A4986324B617}">
-  <ds:schemaRefs>
-    <ds:schemaRef ds:uri="http://schemas.microsoft.com/office/2006/metadata/contentType"/>
-    <ds:schemaRef ds:uri="http://schemas.microsoft.com/office/2006/metadata/properties/metaAttributes"/>
-    <ds:schemaRef ds:uri="http://www.w3.org/2001/XMLSchema"/>
-    <ds:schemaRef ds:uri="http://schemas.microsoft.com/office/2006/metadata/properties"/>
-    <ds:schemaRef ds:uri="81142d49-c53b-4722-939a-4f4a3970dd5a"/>
-    <ds:schemaRef ds:uri="http://schemas.microsoft.com/office/2006/documentManagement/types"/>
-    <ds:schemaRef ds:uri="http://schemas.microsoft.com/office/infopath/2007/PartnerControls"/>
-    <ds:schemaRef ds:uri="http://schemas.openxmlformats.org/package/2006/metadata/core-properties"/>
-    <ds:schemaRef ds:uri="http://purl.org/dc/elements/1.1/"/>
-    <ds:schemaRef ds:uri="http://purl.org/dc/terms/"/>
-    <ds:schemaRef ds:uri="http://schemas.microsoft.com/internal/obd"/>
-  </ds:schemaRefs>
-</ds:datastoreItem>
 </file>
--- a/RTC Role Based Training for Developers.pptx
+++ b/RTC Role Based Training for Developers.pptx
@@ -2,96 +2,96 @@
 <file path=ppt/presentation.xml><?xml version="1.0" encoding="utf-8"?>
 <p:presentation xmlns:a="http://schemas.openxmlformats.org/drawingml/2006/main" xmlns:r="http://schemas.openxmlformats.org/officeDocument/2006/relationships" xmlns:p="http://schemas.openxmlformats.org/presentationml/2006/main" firstSlideNum="0" showSpecialPlsOnTitleSld="0" saveSubsetFonts="1" autoCompressPictures="0">
   <p:sldMasterIdLst>
-    <p:sldMasterId id="2147483648" r:id="rId4"/>
+    <p:sldMasterId id="2147483648" r:id="rId5"/>
   </p:sldMasterIdLst>
   <p:notesMasterIdLst>
-    <p:notesMasterId r:id="rId81"/>
+    <p:notesMasterId r:id="rId82"/>
   </p:notesMasterIdLst>
   <p:handoutMasterIdLst>
-    <p:handoutMasterId r:id="rId82"/>
+    <p:handoutMasterId r:id="rId83"/>
   </p:handoutMasterIdLst>
   <p:sldIdLst>
-    <p:sldId id="659" r:id="rId5"/>
-    <p:sldId id="661" r:id="rId6"/>
-    <p:sldId id="695" r:id="rId7"/>
-    <p:sldId id="770" r:id="rId8"/>
-    <p:sldId id="696" r:id="rId9"/>
-    <p:sldId id="757" r:id="rId10"/>
-    <p:sldId id="698" r:id="rId11"/>
-    <p:sldId id="700" r:id="rId12"/>
-    <p:sldId id="699" r:id="rId13"/>
-    <p:sldId id="701" r:id="rId14"/>
-    <p:sldId id="702" r:id="rId15"/>
-    <p:sldId id="703" r:id="rId16"/>
-    <p:sldId id="710" r:id="rId17"/>
-    <p:sldId id="709" r:id="rId18"/>
-    <p:sldId id="756" r:id="rId19"/>
-    <p:sldId id="707" r:id="rId20"/>
-    <p:sldId id="706" r:id="rId21"/>
-    <p:sldId id="705" r:id="rId22"/>
-    <p:sldId id="711" r:id="rId23"/>
-    <p:sldId id="715" r:id="rId24"/>
-    <p:sldId id="716" r:id="rId25"/>
-    <p:sldId id="717" r:id="rId26"/>
-    <p:sldId id="718" r:id="rId27"/>
-    <p:sldId id="719" r:id="rId28"/>
-    <p:sldId id="720" r:id="rId29"/>
-    <p:sldId id="721" r:id="rId30"/>
-    <p:sldId id="722" r:id="rId31"/>
-    <p:sldId id="723" r:id="rId32"/>
-    <p:sldId id="724" r:id="rId33"/>
-    <p:sldId id="725" r:id="rId34"/>
-    <p:sldId id="726" r:id="rId35"/>
-    <p:sldId id="727" r:id="rId36"/>
-    <p:sldId id="728" r:id="rId37"/>
-    <p:sldId id="729" r:id="rId38"/>
-    <p:sldId id="730" r:id="rId39"/>
-    <p:sldId id="731" r:id="rId40"/>
-    <p:sldId id="732" r:id="rId41"/>
-    <p:sldId id="714" r:id="rId42"/>
-    <p:sldId id="713" r:id="rId43"/>
-    <p:sldId id="712" r:id="rId44"/>
-    <p:sldId id="733" r:id="rId45"/>
-    <p:sldId id="743" r:id="rId46"/>
-    <p:sldId id="742" r:id="rId47"/>
-    <p:sldId id="741" r:id="rId48"/>
-    <p:sldId id="740" r:id="rId49"/>
-    <p:sldId id="739" r:id="rId50"/>
-    <p:sldId id="738" r:id="rId51"/>
-    <p:sldId id="737" r:id="rId52"/>
-    <p:sldId id="736" r:id="rId53"/>
-    <p:sldId id="735" r:id="rId54"/>
-    <p:sldId id="745" r:id="rId55"/>
-    <p:sldId id="746" r:id="rId56"/>
-    <p:sldId id="744" r:id="rId57"/>
-    <p:sldId id="734" r:id="rId58"/>
-    <p:sldId id="747" r:id="rId59"/>
-    <p:sldId id="754" r:id="rId60"/>
-    <p:sldId id="755" r:id="rId61"/>
-    <p:sldId id="753" r:id="rId62"/>
-    <p:sldId id="752" r:id="rId63"/>
-    <p:sldId id="751" r:id="rId64"/>
-    <p:sldId id="750" r:id="rId65"/>
-    <p:sldId id="749" r:id="rId66"/>
-    <p:sldId id="748" r:id="rId67"/>
-    <p:sldId id="758" r:id="rId68"/>
-    <p:sldId id="759" r:id="rId69"/>
-    <p:sldId id="762" r:id="rId70"/>
-    <p:sldId id="761" r:id="rId71"/>
-    <p:sldId id="763" r:id="rId72"/>
-    <p:sldId id="760" r:id="rId73"/>
-    <p:sldId id="765" r:id="rId74"/>
-    <p:sldId id="764" r:id="rId75"/>
-    <p:sldId id="766" r:id="rId76"/>
-    <p:sldId id="767" r:id="rId77"/>
-    <p:sldId id="768" r:id="rId78"/>
-    <p:sldId id="769" r:id="rId79"/>
-    <p:sldId id="680" r:id="rId80"/>
+    <p:sldId id="659" r:id="rId6"/>
+    <p:sldId id="661" r:id="rId7"/>
+    <p:sldId id="695" r:id="rId8"/>
+    <p:sldId id="770" r:id="rId9"/>
+    <p:sldId id="696" r:id="rId10"/>
+    <p:sldId id="757" r:id="rId11"/>
+    <p:sldId id="698" r:id="rId12"/>
+    <p:sldId id="700" r:id="rId13"/>
+    <p:sldId id="699" r:id="rId14"/>
+    <p:sldId id="701" r:id="rId15"/>
+    <p:sldId id="702" r:id="rId16"/>
+    <p:sldId id="703" r:id="rId17"/>
+    <p:sldId id="710" r:id="rId18"/>
+    <p:sldId id="709" r:id="rId19"/>
+    <p:sldId id="756" r:id="rId20"/>
+    <p:sldId id="707" r:id="rId21"/>
+    <p:sldId id="706" r:id="rId22"/>
+    <p:sldId id="705" r:id="rId23"/>
+    <p:sldId id="711" r:id="rId24"/>
+    <p:sldId id="715" r:id="rId25"/>
+    <p:sldId id="716" r:id="rId26"/>
+    <p:sldId id="717" r:id="rId27"/>
+    <p:sldId id="718" r:id="rId28"/>
+    <p:sldId id="719" r:id="rId29"/>
+    <p:sldId id="720" r:id="rId30"/>
+    <p:sldId id="721" r:id="rId31"/>
+    <p:sldId id="722" r:id="rId32"/>
+    <p:sldId id="723" r:id="rId33"/>
+    <p:sldId id="724" r:id="rId34"/>
+    <p:sldId id="725" r:id="rId35"/>
+    <p:sldId id="726" r:id="rId36"/>
+    <p:sldId id="727" r:id="rId37"/>
+    <p:sldId id="728" r:id="rId38"/>
+    <p:sldId id="729" r:id="rId39"/>
+    <p:sldId id="730" r:id="rId40"/>
+    <p:sldId id="731" r:id="rId41"/>
+    <p:sldId id="732" r:id="rId42"/>
+    <p:sldId id="714" r:id="rId43"/>
+    <p:sldId id="713" r:id="rId44"/>
+    <p:sldId id="712" r:id="rId45"/>
+    <p:sldId id="733" r:id="rId46"/>
+    <p:sldId id="743" r:id="rId47"/>
+    <p:sldId id="742" r:id="rId48"/>
+    <p:sldId id="741" r:id="rId49"/>
+    <p:sldId id="740" r:id="rId50"/>
+    <p:sldId id="739" r:id="rId51"/>
+    <p:sldId id="738" r:id="rId52"/>
+    <p:sldId id="737" r:id="rId53"/>
+    <p:sldId id="736" r:id="rId54"/>
+    <p:sldId id="735" r:id="rId55"/>
+    <p:sldId id="745" r:id="rId56"/>
+    <p:sldId id="746" r:id="rId57"/>
+    <p:sldId id="744" r:id="rId58"/>
+    <p:sldId id="734" r:id="rId59"/>
+    <p:sldId id="747" r:id="rId60"/>
+    <p:sldId id="754" r:id="rId61"/>
+    <p:sldId id="755" r:id="rId62"/>
+    <p:sldId id="753" r:id="rId63"/>
+    <p:sldId id="752" r:id="rId64"/>
+    <p:sldId id="751" r:id="rId65"/>
+    <p:sldId id="750" r:id="rId66"/>
+    <p:sldId id="749" r:id="rId67"/>
+    <p:sldId id="748" r:id="rId68"/>
+    <p:sldId id="758" r:id="rId69"/>
+    <p:sldId id="759" r:id="rId70"/>
+    <p:sldId id="762" r:id="rId71"/>
+    <p:sldId id="761" r:id="rId72"/>
+    <p:sldId id="763" r:id="rId73"/>
+    <p:sldId id="760" r:id="rId74"/>
+    <p:sldId id="765" r:id="rId75"/>
+    <p:sldId id="764" r:id="rId76"/>
+    <p:sldId id="766" r:id="rId77"/>
+    <p:sldId id="767" r:id="rId78"/>
+    <p:sldId id="768" r:id="rId79"/>
+    <p:sldId id="769" r:id="rId80"/>
+    <p:sldId id="680" r:id="rId81"/>
   </p:sldIdLst>
   <p:sldSz cx="9144000" cy="6858000" type="screen4x3"/>
   <p:notesSz cx="6858000" cy="9294813"/>
   <p:custDataLst>
-    <p:tags r:id="rId83"/>
+    <p:tags r:id="rId84"/>
   </p:custDataLst>
   <p:defaultTextStyle>
     <a:defPPr>
@@ -305,7 +305,7 @@
               </a14:hiddenEffects>
             </a:ext>
             <a:ext uri="{FAA26D3D-D897-4be2-8F04-BA451C77F1D7}">
-              <ma14:placeholderFlag xmlns:ma14="http://schemas.microsoft.com/office/mac/drawingml/2011/main" xmlns="" val="1"/>
+              <ma14:placeholderFlag xmlns="" xmlns:ma14="http://schemas.microsoft.com/office/mac/drawingml/2011/main" val="1"/>
             </a:ext>
           </a:extLst>
         </p:spPr>
@@ -385,7 +385,7 @@
               </a14:hiddenEffects>
             </a:ext>
             <a:ext uri="{FAA26D3D-D897-4be2-8F04-BA451C77F1D7}">
-              <ma14:placeholderFlag xmlns:ma14="http://schemas.microsoft.com/office/mac/drawingml/2011/main" xmlns="" val="1"/>
+              <ma14:placeholderFlag xmlns="" xmlns:ma14="http://schemas.microsoft.com/office/mac/drawingml/2011/main" val="1"/>
             </a:ext>
           </a:extLst>
         </p:spPr>
@@ -465,7 +465,7 @@
               </a14:hiddenEffects>
             </a:ext>
             <a:ext uri="{FAA26D3D-D897-4be2-8F04-BA451C77F1D7}">
-              <ma14:placeholderFlag xmlns:ma14="http://schemas.microsoft.com/office/mac/drawingml/2011/main" xmlns="" val="1"/>
+              <ma14:placeholderFlag xmlns="" xmlns:ma14="http://schemas.microsoft.com/office/mac/drawingml/2011/main" val="1"/>
             </a:ext>
           </a:extLst>
         </p:spPr>
@@ -545,7 +545,7 @@
               </a14:hiddenEffects>
             </a:ext>
             <a:ext uri="{FAA26D3D-D897-4be2-8F04-BA451C77F1D7}">
-              <ma14:placeholderFlag xmlns:ma14="http://schemas.microsoft.com/office/mac/drawingml/2011/main" xmlns="" val="1"/>
+              <ma14:placeholderFlag xmlns="" xmlns:ma14="http://schemas.microsoft.com/office/mac/drawingml/2011/main" val="1"/>
             </a:ext>
           </a:extLst>
         </p:spPr>
@@ -659,7 +659,7 @@
               </a14:hiddenEffects>
             </a:ext>
             <a:ext uri="{FAA26D3D-D897-4be2-8F04-BA451C77F1D7}">
-              <ma14:placeholderFlag xmlns:ma14="http://schemas.microsoft.com/office/mac/drawingml/2011/main" xmlns="" val="1"/>
+              <ma14:placeholderFlag xmlns="" xmlns:ma14="http://schemas.microsoft.com/office/mac/drawingml/2011/main" val="1"/>
             </a:ext>
           </a:extLst>
         </p:spPr>
@@ -739,7 +739,7 @@
               </a14:hiddenEffects>
             </a:ext>
             <a:ext uri="{FAA26D3D-D897-4be2-8F04-BA451C77F1D7}">
-              <ma14:placeholderFlag xmlns:ma14="http://schemas.microsoft.com/office/mac/drawingml/2011/main" xmlns="" val="1"/>
+              <ma14:placeholderFlag xmlns="" xmlns:ma14="http://schemas.microsoft.com/office/mac/drawingml/2011/main" val="1"/>
             </a:ext>
           </a:extLst>
         </p:spPr>
@@ -865,7 +865,7 @@
               </a14:hiddenEffects>
             </a:ext>
             <a:ext uri="{FAA26D3D-D897-4be2-8F04-BA451C77F1D7}">
-              <ma14:placeholderFlag xmlns:ma14="http://schemas.microsoft.com/office/mac/drawingml/2011/main" xmlns="" val="1"/>
+              <ma14:placeholderFlag xmlns="" xmlns:ma14="http://schemas.microsoft.com/office/mac/drawingml/2011/main" val="1"/>
             </a:ext>
           </a:extLst>
         </p:spPr>
@@ -966,7 +966,7 @@
               </a14:hiddenEffects>
             </a:ext>
             <a:ext uri="{FAA26D3D-D897-4be2-8F04-BA451C77F1D7}">
-              <ma14:placeholderFlag xmlns:ma14="http://schemas.microsoft.com/office/mac/drawingml/2011/main" xmlns="" val="1"/>
+              <ma14:placeholderFlag xmlns="" xmlns:ma14="http://schemas.microsoft.com/office/mac/drawingml/2011/main" val="1"/>
             </a:ext>
           </a:extLst>
         </p:spPr>
@@ -1046,7 +1046,7 @@
               </a14:hiddenEffects>
             </a:ext>
             <a:ext uri="{FAA26D3D-D897-4be2-8F04-BA451C77F1D7}">
-              <ma14:placeholderFlag xmlns:ma14="http://schemas.microsoft.com/office/mac/drawingml/2011/main" xmlns="" val="1"/>
+              <ma14:placeholderFlag xmlns="" xmlns:ma14="http://schemas.microsoft.com/office/mac/drawingml/2011/main" val="1"/>
             </a:ext>
           </a:extLst>
         </p:spPr>
@@ -4680,7 +4680,7 @@
               </a14:hiddenEffects>
             </a:ext>
             <a:ext uri="{FAA26D3D-D897-4be2-8F04-BA451C77F1D7}">
-              <ma14:placeholderFlag xmlns:ma14="http://schemas.microsoft.com/office/mac/drawingml/2011/main" xmlns="" val="1"/>
+              <ma14:placeholderFlag xmlns="" xmlns:ma14="http://schemas.microsoft.com/office/mac/drawingml/2011/main" val="1"/>
             </a:ext>
           </a:extLst>
         </p:spPr>
@@ -4753,7 +4753,7 @@
               </a14:hiddenEffects>
             </a:ext>
             <a:ext uri="{FAA26D3D-D897-4be2-8F04-BA451C77F1D7}">
-              <ma14:placeholderFlag xmlns:ma14="http://schemas.microsoft.com/office/mac/drawingml/2011/main" xmlns="" val="1"/>
+              <ma14:placeholderFlag xmlns="" xmlns:ma14="http://schemas.microsoft.com/office/mac/drawingml/2011/main" val="1"/>
             </a:ext>
           </a:extLst>
         </p:spPr>
@@ -21145,18 +21145,116 @@
 </file>
 
 <file path=customXml/item1.xml><?xml version="1.0" encoding="utf-8"?>
-<ct:contentTypeSchema xmlns:ct="http://schemas.microsoft.com/office/2006/metadata/contentType" xmlns:ma="http://schemas.microsoft.com/office/2006/metadata/properties/metaAttributes" ct:_="" ma:_="" ma:contentTypeName="Document" ma:contentTypeID="0x010100B32740781DB2EF4BB2D472BAD412EBD4" ma:contentTypeVersion="0" ma:contentTypeDescription="Create a new document." ma:contentTypeScope="" ma:versionID="1df91e03920eb23bf8fff70d9cc3b68a">
-  <xsd:schema xmlns:xsd="http://www.w3.org/2001/XMLSchema" xmlns:xs="http://www.w3.org/2001/XMLSchema" xmlns:p="http://schemas.microsoft.com/office/2006/metadata/properties" targetNamespace="http://schemas.microsoft.com/office/2006/metadata/properties" ma:root="true" ma:fieldsID="c64490b4aec6201516c3a874156f37b2">
+<?mso-contentType ?>
+<FormTemplates xmlns="http://schemas.microsoft.com/sharepoint/v3/contenttype/forms">
+  <Display>DocumentLibraryForm</Display>
+  <Edit>DocumentLibraryForm</Edit>
+  <New>DocumentLibraryForm</New>
+</FormTemplates>
+</file>
+
+<file path=customXml/item2.xml><?xml version="1.0" encoding="utf-8"?>
+<?mso-contentType ?>
+<spe:Receivers xmlns:spe="http://schemas.microsoft.com/sharepoint/events">
+  <Receiver>
+    <Name>Document ID Generator</Name>
+    <Synchronization>Synchronous</Synchronization>
+    <Type>10001</Type>
+    <SequenceNumber>1000</SequenceNumber>
+    <Assembly>Microsoft.Office.DocumentManagement, Version=14.0.0.0, Culture=neutral, PublicKeyToken=71e9bce111e9429c</Assembly>
+    <Class>Microsoft.Office.DocumentManagement.Internal.DocIdHandler</Class>
+    <Data/>
+    <Filter/>
+  </Receiver>
+  <Receiver>
+    <Name>Document ID Generator</Name>
+    <Synchronization>Synchronous</Synchronization>
+    <Type>10002</Type>
+    <SequenceNumber>1001</SequenceNumber>
+    <Assembly>Microsoft.Office.DocumentManagement, Version=14.0.0.0, Culture=neutral, PublicKeyToken=71e9bce111e9429c</Assembly>
+    <Class>Microsoft.Office.DocumentManagement.Internal.DocIdHandler</Class>
+    <Data/>
+    <Filter/>
+  </Receiver>
+  <Receiver>
+    <Name>Document ID Generator</Name>
+    <Synchronization>Synchronous</Synchronization>
+    <Type>10004</Type>
+    <SequenceNumber>1002</SequenceNumber>
+    <Assembly>Microsoft.Office.DocumentManagement, Version=14.0.0.0, Culture=neutral, PublicKeyToken=71e9bce111e9429c</Assembly>
+    <Class>Microsoft.Office.DocumentManagement.Internal.DocIdHandler</Class>
+    <Data/>
+    <Filter/>
+  </Receiver>
+  <Receiver>
+    <Name>Document ID Generator</Name>
+    <Synchronization>Synchronous</Synchronization>
+    <Type>10006</Type>
+    <SequenceNumber>1003</SequenceNumber>
+    <Assembly>Microsoft.Office.DocumentManagement, Version=14.0.0.0, Culture=neutral, PublicKeyToken=71e9bce111e9429c</Assembly>
+    <Class>Microsoft.Office.DocumentManagement.Internal.DocIdHandler</Class>
+    <Data/>
+    <Filter/>
+  </Receiver>
+</spe:Receivers>
+</file>
+
+<file path=customXml/item3.xml><?xml version="1.0" encoding="utf-8"?>
+<p:properties xmlns:p="http://schemas.microsoft.com/office/2006/metadata/properties" xmlns:xsi="http://www.w3.org/2001/XMLSchema-instance">
+  <documentManagement>
+    <_dlc_DocId xmlns="81142d49-c53b-4722-939a-4f4a3970dd5a">5VV4N5WWKAS4-7537-3</_dlc_DocId>
+    <_dlc_DocIdUrl xmlns="81142d49-c53b-4722-939a-4f4a3970dd5a">
+      <Url>https://catecollaboration.citigroup.net/gfts/ProjectSites/CTSAMLInvestigations/_layouts/DocIdRedir.aspx?ID=5VV4N5WWKAS4-7537-3</Url>
+      <Description>5VV4N5WWKAS4-7537-3</Description>
+    </_dlc_DocIdUrl>
+  </documentManagement>
+</p:properties>
+</file>
+
+<file path=customXml/item4.xml><?xml version="1.0" encoding="utf-8"?>
+<ct:contentTypeSchema xmlns:ct="http://schemas.microsoft.com/office/2006/metadata/contentType" xmlns:ma="http://schemas.microsoft.com/office/2006/metadata/properties/metaAttributes" ct:_="" ma:_="" ma:contentTypeName="Document" ma:contentTypeID="0x010100D47D2C0389CB9441B854D98AF9AB0320" ma:contentTypeVersion="0" ma:contentTypeDescription="Create a new document." ma:contentTypeScope="" ma:versionID="cd30b13156025a21f0d0b3083b22e05a">
+  <xsd:schema xmlns:xsd="http://www.w3.org/2001/XMLSchema" xmlns:xs="http://www.w3.org/2001/XMLSchema" xmlns:p="http://schemas.microsoft.com/office/2006/metadata/properties" xmlns:ns2="81142d49-c53b-4722-939a-4f4a3970dd5a" targetNamespace="http://schemas.microsoft.com/office/2006/metadata/properties" ma:root="true" ma:fieldsID="7f49678b14cb93cfb56cfa7b3f054b0f" ns2:_="">
+    <xsd:import namespace="81142d49-c53b-4722-939a-4f4a3970dd5a"/>
     <xsd:element name="properties">
       <xsd:complexType>
         <xsd:sequence>
           <xsd:element name="documentManagement">
             <xsd:complexType>
-              <xsd:all/>
+              <xsd:all>
+                <xsd:element ref="ns2:_dlc_DocId" minOccurs="0"/>
+                <xsd:element ref="ns2:_dlc_DocIdUrl" minOccurs="0"/>
+                <xsd:element ref="ns2:_dlc_DocIdPersistId" minOccurs="0"/>
+              </xsd:all>
             </xsd:complexType>
           </xsd:element>
         </xsd:sequence>
       </xsd:complexType>
+    </xsd:element>
+  </xsd:schema>
+  <xsd:schema xmlns:xsd="http://www.w3.org/2001/XMLSchema" xmlns:xs="http://www.w3.org/2001/XMLSchema" xmlns:dms="http://schemas.microsoft.com/office/2006/documentManagement/types" xmlns:pc="http://schemas.microsoft.com/office/infopath/2007/PartnerControls" targetNamespace="81142d49-c53b-4722-939a-4f4a3970dd5a" elementFormDefault="qualified">
+    <xsd:import namespace="http://schemas.microsoft.com/office/2006/documentManagement/types"/>
+    <xsd:import namespace="http://schemas.microsoft.com/office/infopath/2007/PartnerControls"/>
+    <xsd:element name="_dlc_DocId" ma:index="8" nillable="true" ma:displayName="Document ID Value" ma:description="The value of the document ID assigned to this item." ma:internalName="_dlc_DocId" ma:readOnly="true">
+      <xsd:simpleType>
+        <xsd:restriction base="dms:Text"/>
+      </xsd:simpleType>
+    </xsd:element>
+    <xsd:element name="_dlc_DocIdUrl" ma:index="9" nillable="true" ma:displayName="Document ID" ma:description="Permanent link to this document." ma:hidden="true" ma:internalName="_dlc_DocIdUrl" ma:readOnly="true">
+      <xsd:complexType>
+        <xsd:complexContent>
+          <xsd:extension base="dms:URL">
+            <xsd:sequence>
+              <xsd:element name="Url" type="dms:ValidUrl" minOccurs="0" nillable="true"/>
+              <xsd:element name="Description" type="xsd:string" nillable="true"/>
+            </xsd:sequence>
+          </xsd:extension>
+        </xsd:complexContent>
+      </xsd:complexType>
+    </xsd:element>
+    <xsd:element name="_dlc_DocIdPersistId" ma:index="10" nillable="true" ma:displayName="Persist ID" ma:description="Keep ID on add." ma:hidden="true" ma:internalName="_dlc_DocIdPersistId" ma:readOnly="true">
+      <xsd:simpleType>
+        <xsd:restriction base="dms:Boolean"/>
+      </xsd:simpleType>
     </xsd:element>
   </xsd:schema>
   <xsd:schema xmlns="http://schemas.openxmlformats.org/package/2006/metadata/core-properties" xmlns:xsd="http://www.w3.org/2001/XMLSchema" xmlns:xsi="http://www.w3.org/2001/XMLSchema-instance" xmlns:dc="http://purl.org/dc/elements/1.1/" xmlns:dcterms="http://purl.org/dc/terms/" xmlns:odoc="http://schemas.microsoft.com/internal/obd" targetNamespace="http://schemas.openxmlformats.org/package/2006/metadata/core-properties" elementFormDefault="qualified" attributeFormDefault="unqualified" blockDefault="#all">
@@ -21258,56 +21356,52 @@
 </ct:contentTypeSchema>
 </file>
 
-<file path=customXml/item2.xml><?xml version="1.0" encoding="utf-8"?>
-<p:properties xmlns:p="http://schemas.microsoft.com/office/2006/metadata/properties" xmlns:xsi="http://www.w3.org/2001/XMLSchema-instance">
-  <documentManagement/>
-</p:properties>
+<file path=customXml/itemProps1.xml><?xml version="1.0" encoding="utf-8"?>
+<ds:datastoreItem xmlns:ds="http://schemas.openxmlformats.org/officeDocument/2006/customXml" ds:itemID="{E80A13EA-4C4B-4F34-82C0-04C97FC3101B}">
+  <ds:schemaRefs>
+    <ds:schemaRef ds:uri="http://schemas.microsoft.com/sharepoint/v3/contenttype/forms"/>
+  </ds:schemaRefs>
+</ds:datastoreItem>
 </file>
 
-<file path=customXml/item3.xml><?xml version="1.0" encoding="utf-8"?>
-<?mso-contentType ?>
-<FormTemplates xmlns="http://schemas.microsoft.com/sharepoint/v3/contenttype/forms">
-  <Display>DocumentLibraryForm</Display>
-  <Edit>DocumentLibraryForm</Edit>
-  <New>DocumentLibraryForm</New>
-</FormTemplates>
+<file path=customXml/itemProps2.xml><?xml version="1.0" encoding="utf-8"?>
+<ds:datastoreItem xmlns:ds="http://schemas.openxmlformats.org/officeDocument/2006/customXml" ds:itemID="{D971537E-D4AB-4600-9F55-2D55E79C71AF}">
+  <ds:schemaRefs>
+    <ds:schemaRef ds:uri="http://schemas.microsoft.com/sharepoint/events"/>
+  </ds:schemaRefs>
+</ds:datastoreItem>
 </file>
 
-<file path=customXml/itemProps1.xml><?xml version="1.0" encoding="utf-8"?>
-<ds:datastoreItem xmlns:ds="http://schemas.openxmlformats.org/officeDocument/2006/customXml" ds:itemID="{9FCDA12E-0D57-40C9-B38F-DF8055BE90E8}">
+<file path=customXml/itemProps3.xml><?xml version="1.0" encoding="utf-8"?>
+<ds:datastoreItem xmlns:ds="http://schemas.openxmlformats.org/officeDocument/2006/customXml" ds:itemID="{E37F2DC3-E595-4E6A-8189-3E67961A6B3B}">
+  <ds:schemaRefs>
+    <ds:schemaRef ds:uri="http://schemas.microsoft.com/office/2006/metadata/properties"/>
+    <ds:schemaRef ds:uri="http://purl.org/dc/elements/1.1/"/>
+    <ds:schemaRef ds:uri="http://purl.org/dc/terms/"/>
+    <ds:schemaRef ds:uri="81142d49-c53b-4722-939a-4f4a3970dd5a"/>
+    <ds:schemaRef ds:uri="http://schemas.microsoft.com/office/2006/documentManagement/types"/>
+    <ds:schemaRef ds:uri="http://www.w3.org/XML/1998/namespace"/>
+    <ds:schemaRef ds:uri="http://purl.org/dc/dcmitype/"/>
+    <ds:schemaRef ds:uri="http://schemas.microsoft.com/office/infopath/2007/PartnerControls"/>
+    <ds:schemaRef ds:uri="http://schemas.openxmlformats.org/package/2006/metadata/core-properties"/>
+  </ds:schemaRefs>
+</ds:datastoreItem>
+</file>
+
+<file path=customXml/itemProps4.xml><?xml version="1.0" encoding="utf-8"?>
+<ds:datastoreItem xmlns:ds="http://schemas.openxmlformats.org/officeDocument/2006/customXml" ds:itemID="{985A1512-D044-4BBD-8461-A4986324B617}">
   <ds:schemaRefs>
     <ds:schemaRef ds:uri="http://schemas.microsoft.com/office/2006/metadata/contentType"/>
     <ds:schemaRef ds:uri="http://schemas.microsoft.com/office/2006/metadata/properties/metaAttributes"/>
     <ds:schemaRef ds:uri="http://www.w3.org/2001/XMLSchema"/>
     <ds:schemaRef ds:uri="http://schemas.microsoft.com/office/2006/metadata/properties"/>
+    <ds:schemaRef ds:uri="81142d49-c53b-4722-939a-4f4a3970dd5a"/>
+    <ds:schemaRef ds:uri="http://schemas.microsoft.com/office/2006/documentManagement/types"/>
+    <ds:schemaRef ds:uri="http://schemas.microsoft.com/office/infopath/2007/PartnerControls"/>
     <ds:schemaRef ds:uri="http://schemas.openxmlformats.org/package/2006/metadata/core-properties"/>
     <ds:schemaRef ds:uri="http://purl.org/dc/elements/1.1/"/>
     <ds:schemaRef ds:uri="http://purl.org/dc/terms/"/>
     <ds:schemaRef ds:uri="http://schemas.microsoft.com/internal/obd"/>
-    <ds:schemaRef ds:uri="http://schemas.microsoft.com/office/infopath/2007/PartnerControls"/>
-  </ds:schemaRefs>
-</ds:datastoreItem>
-</file>
-
-<file path=customXml/itemProps2.xml><?xml version="1.0" encoding="utf-8"?>
-<ds:datastoreItem xmlns:ds="http://schemas.openxmlformats.org/officeDocument/2006/customXml" ds:itemID="{E37F2DC3-E595-4E6A-8189-3E67961A6B3B}">
-  <ds:schemaRefs>
-    <ds:schemaRef ds:uri="http://www.w3.org/XML/1998/namespace"/>
-    <ds:schemaRef ds:uri="http://schemas.microsoft.com/office/2006/documentManagement/types"/>
-    <ds:schemaRef ds:uri="http://purl.org/dc/terms/"/>
-    <ds:schemaRef ds:uri="http://purl.org/dc/dcmitype/"/>
-    <ds:schemaRef ds:uri="http://purl.org/dc/elements/1.1/"/>
-    <ds:schemaRef ds:uri="http://schemas.microsoft.com/office/infopath/2007/PartnerControls"/>
-    <ds:schemaRef ds:uri="http://schemas.openxmlformats.org/package/2006/metadata/core-properties"/>
-    <ds:schemaRef ds:uri="http://schemas.microsoft.com/office/2006/metadata/properties"/>
-  </ds:schemaRefs>
-</ds:datastoreItem>
-</file>
-
-<file path=customXml/itemProps3.xml><?xml version="1.0" encoding="utf-8"?>
-<ds:datastoreItem xmlns:ds="http://schemas.openxmlformats.org/officeDocument/2006/customXml" ds:itemID="{E80A13EA-4C4B-4F34-82C0-04C97FC3101B}">
-  <ds:schemaRefs>
-    <ds:schemaRef ds:uri="http://schemas.microsoft.com/sharepoint/v3/contenttype/forms"/>
   </ds:schemaRefs>
 </ds:datastoreItem>
 </file>